--- a/Bootstrapping.pptx
+++ b/Bootstrapping.pptx
@@ -3544,6 +3544,23 @@
               <a:t>Allows us to estimate confidence intervals, standard errors, hypothesis testing of numerous sample statistics</a:t>
             </a:r>
           </a:p>
+          <a:p>
+            <a:endParaRPr lang="en-US" dirty="0"/>
+          </a:p>
+          <a:p>
+            <a:r>
+              <a:rPr lang="en-US" dirty="0"/>
+              <a:t>First published by Bradley </a:t>
+            </a:r>
+            <a:r>
+              <a:rPr lang="en-US" dirty="0" err="1"/>
+              <a:t>Efron</a:t>
+            </a:r>
+            <a:r>
+              <a:rPr lang="en-US" dirty="0"/>
+              <a:t> in 1979</a:t>
+            </a:r>
+          </a:p>
         </p:txBody>
       </p:sp>
     </p:spTree>
@@ -4074,12 +4091,6 @@
             <a:r>
               <a:rPr lang="en-US" dirty="0"/>
               <a:t>Median</a:t>
-            </a:r>
-          </a:p>
-          <a:p>
-            <a:r>
-              <a:rPr lang="en-US" dirty="0"/>
-              <a:t>Linear Regression coefficients</a:t>
             </a:r>
           </a:p>
           <a:p>
